--- a/MAKALAH/Free Pascal.pptx
+++ b/MAKALAH/Free Pascal.pptx
@@ -111,6 +111,11 @@
       </a:defRPr>
     </a:lvl9pPr>
   </p:defaultTextStyle>
+  <p:extLst>
+    <p:ext uri="{EFAFB233-063F-42B5-8137-9DF3F51BA10A}">
+      <p15:sldGuideLst xmlns:p15="http://schemas.microsoft.com/office/powerpoint/2012/main"/>
+    </p:ext>
+  </p:extLst>
 </p:presentation>
 </file>
 
@@ -306,7 +311,7 @@
           <a:p>
             <a:fld id="{216C5678-EE20-4FA5-88E2-6E0BD67A2E26}" type="datetime1">
               <a:rPr lang="en-US" smtClean="0"/>
-              <a:t>5/1/2015</a:t>
+              <a:t>5/2/2015</a:t>
             </a:fld>
             <a:endParaRPr lang="en-US" dirty="0"/>
           </a:p>
@@ -476,7 +481,7 @@
           <a:p>
             <a:fld id="{EA051B39-B140-43FE-96DB-472A2B59CE7C}" type="datetime1">
               <a:rPr lang="en-US" smtClean="0"/>
-              <a:t>5/1/2015</a:t>
+              <a:t>5/2/2015</a:t>
             </a:fld>
             <a:endParaRPr lang="en-US"/>
           </a:p>
@@ -656,7 +661,7 @@
           <a:p>
             <a:fld id="{DA600BB2-27C5-458B-ABCE-839C88CF47CE}" type="datetime1">
               <a:rPr lang="en-US" smtClean="0"/>
-              <a:t>5/1/2015</a:t>
+              <a:t>5/2/2015</a:t>
             </a:fld>
             <a:endParaRPr lang="en-US"/>
           </a:p>
@@ -844,7 +849,7 @@
           <a:p>
             <a:fld id="{B11D738E-8962-435F-8C43-147B8DD7E819}" type="datetime1">
               <a:rPr lang="en-US" smtClean="0"/>
-              <a:t>5/1/2015</a:t>
+              <a:t>5/2/2015</a:t>
             </a:fld>
             <a:endParaRPr lang="en-US"/>
           </a:p>
@@ -1111,7 +1116,7 @@
           <a:p>
             <a:fld id="{09CAEA93-55E7-4DA9-90C2-089A26EEFEC4}" type="datetime1">
               <a:rPr lang="en-US" smtClean="0"/>
-              <a:t>5/1/2015</a:t>
+              <a:t>5/2/2015</a:t>
             </a:fld>
             <a:endParaRPr lang="en-US"/>
           </a:p>
@@ -1464,7 +1469,7 @@
           <a:p>
             <a:fld id="{E34CF3C7-6809-4F39-BD67-A75817BDDE0A}" type="datetime1">
               <a:rPr lang="en-US" smtClean="0"/>
-              <a:t>5/1/2015</a:t>
+              <a:t>5/2/2015</a:t>
             </a:fld>
             <a:endParaRPr lang="en-US"/>
           </a:p>
@@ -1777,7 +1782,7 @@
           <a:p>
             <a:fld id="{F7EAEB24-CE78-465C-A726-91D0868FA48F}" type="datetime1">
               <a:rPr lang="en-US" smtClean="0"/>
-              <a:t>5/1/2015</a:t>
+              <a:t>5/2/2015</a:t>
             </a:fld>
             <a:endParaRPr lang="en-US"/>
           </a:p>
@@ -2009,7 +2014,7 @@
           <a:p>
             <a:fld id="{40BAADF0-1749-4E8B-9691-B44A5F8C0895}" type="datetime1">
               <a:rPr lang="en-US" smtClean="0"/>
-              <a:t>5/1/2015</a:t>
+              <a:t>5/2/2015</a:t>
             </a:fld>
             <a:endParaRPr lang="en-US"/>
           </a:p>
@@ -2104,7 +2109,7 @@
           <a:p>
             <a:fld id="{A8AF628A-A867-4937-BBE5-207DB6F9C51A}" type="datetime1">
               <a:rPr lang="en-US" smtClean="0"/>
-              <a:t>5/1/2015</a:t>
+              <a:t>5/2/2015</a:t>
             </a:fld>
             <a:endParaRPr lang="en-US"/>
           </a:p>
@@ -2397,7 +2402,7 @@
           <a:p>
             <a:fld id="{118BBB94-68E6-4675-A946-F1C5994EDBD7}" type="datetime1">
               <a:rPr lang="en-US" smtClean="0"/>
-              <a:t>5/1/2015</a:t>
+              <a:t>5/2/2015</a:t>
             </a:fld>
             <a:endParaRPr lang="en-US"/>
           </a:p>
@@ -2671,7 +2676,7 @@
           <a:p>
             <a:fld id="{DC3B8377-21E3-4835-B75D-4E2847E2750F}" type="datetime1">
               <a:rPr lang="en-US" smtClean="0"/>
-              <a:t>5/1/2015</a:t>
+              <a:t>5/2/2015</a:t>
             </a:fld>
             <a:endParaRPr lang="en-US"/>
           </a:p>
@@ -2886,7 +2891,7 @@
           <a:p>
             <a:fld id="{B0C4986D-6BE9-4264-908F-02DB36FD8D6C}" type="datetime1">
               <a:rPr lang="en-US" smtClean="0"/>
-              <a:t>5/1/2015</a:t>
+              <a:t>5/2/2015</a:t>
             </a:fld>
             <a:endParaRPr lang="en-US" dirty="0"/>
           </a:p>
@@ -3441,7 +3446,7 @@
           <a:p>
             <a:fld id="{216C5678-EE20-4FA5-88E2-6E0BD67A2E26}" type="datetime1">
               <a:rPr lang="en-US" smtClean="0"/>
-              <a:t>5/1/2015</a:t>
+              <a:t>5/2/2015</a:t>
             </a:fld>
             <a:endParaRPr lang="en-US" dirty="0"/>
           </a:p>
@@ -3504,13 +3509,13 @@
   <p:clrMapOvr>
     <a:masterClrMapping/>
   </p:clrMapOvr>
-  <mc:AlternateContent xmlns:mc="http://schemas.openxmlformats.org/markup-compatibility/2006">
-    <mc:Choice xmlns:p14="http://schemas.microsoft.com/office/powerpoint/2010/main" Requires="p14">
+  <mc:AlternateContent xmlns:mc="http://schemas.openxmlformats.org/markup-compatibility/2006" xmlns:p14="http://schemas.microsoft.com/office/powerpoint/2010/main">
+    <mc:Choice Requires="p14">
       <p:transition spd="med" p14:dur="700">
         <p:fade/>
       </p:transition>
     </mc:Choice>
-    <mc:Fallback>
+    <mc:Fallback xmlns="">
       <p:transition spd="med">
         <p:fade/>
       </p:transition>
@@ -3667,7 +3672,7 @@
           <a:p>
             <a:fld id="{216C5678-EE20-4FA5-88E2-6E0BD67A2E26}" type="datetime1">
               <a:rPr lang="en-US" smtClean="0"/>
-              <a:t>5/1/2015</a:t>
+              <a:t>5/2/2015</a:t>
             </a:fld>
             <a:endParaRPr lang="en-US" dirty="0"/>
           </a:p>
@@ -3760,13 +3765,13 @@
   <p:clrMapOvr>
     <a:masterClrMapping/>
   </p:clrMapOvr>
-  <mc:AlternateContent xmlns:mc="http://schemas.openxmlformats.org/markup-compatibility/2006">
-    <mc:Choice xmlns:p15="http://schemas.microsoft.com/office/powerpoint/2012/main" Requires="p15">
+  <mc:AlternateContent xmlns:mc="http://schemas.openxmlformats.org/markup-compatibility/2006" xmlns:p15="http://schemas.microsoft.com/office/powerpoint/2012/main">
+    <mc:Choice Requires="p15">
       <p:transition xmlns:p14="http://schemas.microsoft.com/office/powerpoint/2010/main" spd="slow" p14:dur="6000">
         <p15:prstTrans prst="curtains"/>
       </p:transition>
     </mc:Choice>
-    <mc:Fallback>
+    <mc:Fallback xmlns="">
       <p:transition spd="slow">
         <p:fade/>
       </p:transition>
@@ -3873,7 +3878,17 @@
             </a:r>
             <a:r>
               <a:rPr lang="en-US" dirty="0" smtClean="0"/>
-              <a:t> libraries</a:t>
+              <a:t> </a:t>
+            </a:r>
+            <a:r>
+              <a:rPr lang="en-US" dirty="0" smtClean="0"/>
+              <a:t>libraries</a:t>
+            </a:r>
+          </a:p>
+          <a:p>
+            <a:r>
+              <a:rPr lang="id-ID"/>
+              <a:t>https://www.youtube.com/watch?v=95QqcTr8tdQ</a:t>
             </a:r>
             <a:endParaRPr lang="id-ID" dirty="0"/>
           </a:p>
@@ -3896,7 +3911,7 @@
           <a:p>
             <a:fld id="{B11D738E-8962-435F-8C43-147B8DD7E819}" type="datetime1">
               <a:rPr lang="en-US" smtClean="0"/>
-              <a:t>5/1/2015</a:t>
+              <a:t>5/2/2015</a:t>
             </a:fld>
             <a:endParaRPr lang="en-US"/>
           </a:p>
@@ -3959,13 +3974,13 @@
   <p:clrMapOvr>
     <a:masterClrMapping/>
   </p:clrMapOvr>
-  <mc:AlternateContent xmlns:mc="http://schemas.openxmlformats.org/markup-compatibility/2006">
-    <mc:Choice xmlns:p15="http://schemas.microsoft.com/office/powerpoint/2012/main" Requires="p15">
+  <mc:AlternateContent xmlns:mc="http://schemas.openxmlformats.org/markup-compatibility/2006" xmlns:p15="http://schemas.microsoft.com/office/powerpoint/2012/main">
+    <mc:Choice Requires="p15">
       <p:transition xmlns:p14="http://schemas.microsoft.com/office/powerpoint/2010/main" spd="slow" p14:dur="2000">
         <p15:prstTrans prst="crush"/>
       </p:transition>
     </mc:Choice>
-    <mc:Fallback>
+    <mc:Fallback xmlns="">
       <p:transition spd="slow">
         <p:fade/>
       </p:transition>
@@ -4038,7 +4053,7 @@
           <a:p>
             <a:fld id="{B11D738E-8962-435F-8C43-147B8DD7E819}" type="datetime1">
               <a:rPr lang="en-US" smtClean="0"/>
-              <a:t>5/1/2015</a:t>
+              <a:t>5/2/2015</a:t>
             </a:fld>
             <a:endParaRPr lang="en-US"/>
           </a:p>
@@ -4176,12 +4191,12 @@
           <a:graphicData uri="http://schemas.openxmlformats.org/presentationml/2006/ole">
             <mc:AlternateContent xmlns:mc="http://schemas.openxmlformats.org/markup-compatibility/2006">
               <mc:Choice xmlns:v="urn:schemas-microsoft-com:vml" Requires="v">
-                <p:oleObj spid="_x0000_s2054" name="Visio" r:id="rId3" imgW="8010489" imgH="5886634" progId="Visio.Drawing.15">
+                <p:oleObj spid="_x0000_s2055" name="Visio" r:id="rId4" imgW="8010489" imgH="5886634" progId="Visio.Drawing.15">
                   <p:embed/>
                 </p:oleObj>
               </mc:Choice>
               <mc:Fallback>
-                <p:oleObj name="Visio" r:id="rId3" imgW="8010489" imgH="5886634" progId="Visio.Drawing.15">
+                <p:oleObj name="Visio" r:id="rId4" imgW="8010489" imgH="5886634" progId="Visio.Drawing.15">
                   <p:embed/>
                   <p:pic>
                     <p:nvPicPr>
@@ -4192,7 +4207,7 @@
                       <p:nvPr/>
                     </p:nvPicPr>
                     <p:blipFill>
-                      <a:blip r:embed="rId4">
+                      <a:blip r:embed="rId5">
                         <a:extLst>
                           <a:ext uri="{28A0092B-C50C-407E-A947-70E740481C1C}">
                             <a14:useLocalDpi xmlns:a14="http://schemas.microsoft.com/office/drawing/2010/main" val="0"/>
@@ -4231,13 +4246,13 @@
   <p:clrMapOvr>
     <a:masterClrMapping/>
   </p:clrMapOvr>
-  <mc:AlternateContent xmlns:mc="http://schemas.openxmlformats.org/markup-compatibility/2006">
-    <mc:Choice xmlns:p15="http://schemas.microsoft.com/office/powerpoint/2012/main" Requires="p15">
+  <mc:AlternateContent xmlns:mc="http://schemas.openxmlformats.org/markup-compatibility/2006" xmlns:p15="http://schemas.microsoft.com/office/powerpoint/2012/main">
+    <mc:Choice Requires="p15">
       <p:transition xmlns:p14="http://schemas.microsoft.com/office/powerpoint/2010/main" spd="slow" p14:dur="2000">
         <p15:prstTrans prst="drape"/>
       </p:transition>
     </mc:Choice>
-    <mc:Fallback>
+    <mc:Fallback xmlns="">
       <p:transition spd="slow">
         <p:fade/>
       </p:transition>
@@ -4315,7 +4330,7 @@
           <a:p>
             <a:fld id="{B11D738E-8962-435F-8C43-147B8DD7E819}" type="datetime1">
               <a:rPr lang="en-US" smtClean="0"/>
-              <a:t>5/1/2015</a:t>
+              <a:t>5/2/2015</a:t>
             </a:fld>
             <a:endParaRPr lang="en-US"/>
           </a:p>
@@ -4390,12 +4405,12 @@
           <a:graphicData uri="http://schemas.openxmlformats.org/presentationml/2006/ole">
             <mc:AlternateContent xmlns:mc="http://schemas.openxmlformats.org/markup-compatibility/2006">
               <mc:Choice xmlns:v="urn:schemas-microsoft-com:vml" Requires="v">
-                <p:oleObj spid="_x0000_s3076" name="Visio" r:id="rId3" imgW="6324514" imgH="6496234" progId="Visio.Drawing.15">
+                <p:oleObj spid="_x0000_s3077" name="Visio" r:id="rId4" imgW="6324514" imgH="6496234" progId="Visio.Drawing.15">
                   <p:embed/>
                 </p:oleObj>
               </mc:Choice>
               <mc:Fallback>
-                <p:oleObj name="Visio" r:id="rId3" imgW="6324514" imgH="6496234" progId="Visio.Drawing.15">
+                <p:oleObj name="Visio" r:id="rId4" imgW="6324514" imgH="6496234" progId="Visio.Drawing.15">
                   <p:embed/>
                   <p:pic>
                     <p:nvPicPr>
@@ -4404,7 +4419,7 @@
                       <p:nvPr/>
                     </p:nvPicPr>
                     <p:blipFill>
-                      <a:blip r:embed="rId4"/>
+                      <a:blip r:embed="rId5"/>
                       <a:stretch>
                         <a:fillRect/>
                       </a:stretch>
@@ -4435,13 +4450,13 @@
   <p:clrMapOvr>
     <a:masterClrMapping/>
   </p:clrMapOvr>
-  <mc:AlternateContent xmlns:mc="http://schemas.openxmlformats.org/markup-compatibility/2006">
-    <mc:Choice xmlns:p15="http://schemas.microsoft.com/office/powerpoint/2012/main" Requires="p15">
+  <mc:AlternateContent xmlns:mc="http://schemas.openxmlformats.org/markup-compatibility/2006" xmlns:p15="http://schemas.microsoft.com/office/powerpoint/2012/main">
+    <mc:Choice Requires="p15">
       <p:transition xmlns:p14="http://schemas.microsoft.com/office/powerpoint/2010/main" spd="slow" p14:dur="3250">
         <p15:prstTrans prst="origami"/>
       </p:transition>
     </mc:Choice>
-    <mc:Fallback>
+    <mc:Fallback xmlns="">
       <p:transition spd="slow">
         <p:fade/>
       </p:transition>
@@ -4514,7 +4529,7 @@
           <a:p>
             <a:fld id="{B11D738E-8962-435F-8C43-147B8DD7E819}" type="datetime1">
               <a:rPr lang="en-US" smtClean="0"/>
-              <a:t>5/1/2015</a:t>
+              <a:t>5/2/2015</a:t>
             </a:fld>
             <a:endParaRPr lang="en-US"/>
           </a:p>
@@ -4589,12 +4604,12 @@
           <a:graphicData uri="http://schemas.openxmlformats.org/presentationml/2006/ole">
             <mc:AlternateContent xmlns:mc="http://schemas.openxmlformats.org/markup-compatibility/2006">
               <mc:Choice xmlns:v="urn:schemas-microsoft-com:vml" Requires="v">
-                <p:oleObj spid="_x0000_s4098" name="Visio" r:id="rId3" imgW="6353147" imgH="6819953" progId="Visio.Drawing.15">
+                <p:oleObj spid="_x0000_s4099" name="Visio" r:id="rId4" imgW="6353147" imgH="6819953" progId="Visio.Drawing.15">
                   <p:embed/>
                 </p:oleObj>
               </mc:Choice>
               <mc:Fallback>
-                <p:oleObj name="Visio" r:id="rId3" imgW="6353147" imgH="6819953" progId="Visio.Drawing.15">
+                <p:oleObj name="Visio" r:id="rId4" imgW="6353147" imgH="6819953" progId="Visio.Drawing.15">
                   <p:embed/>
                   <p:pic>
                     <p:nvPicPr>
@@ -4603,7 +4618,7 @@
                       <p:nvPr/>
                     </p:nvPicPr>
                     <p:blipFill>
-                      <a:blip r:embed="rId4"/>
+                      <a:blip r:embed="rId5"/>
                       <a:stretch>
                         <a:fillRect/>
                       </a:stretch>
@@ -4634,13 +4649,13 @@
   <p:clrMapOvr>
     <a:masterClrMapping/>
   </p:clrMapOvr>
-  <mc:AlternateContent xmlns:mc="http://schemas.openxmlformats.org/markup-compatibility/2006">
-    <mc:Choice xmlns:p15="http://schemas.microsoft.com/office/powerpoint/2012/main" Requires="p15">
+  <mc:AlternateContent xmlns:mc="http://schemas.openxmlformats.org/markup-compatibility/2006" xmlns:p15="http://schemas.microsoft.com/office/powerpoint/2012/main">
+    <mc:Choice Requires="p15">
       <p:transition xmlns:p14="http://schemas.microsoft.com/office/powerpoint/2010/main" spd="slow" p14:dur="3250">
         <p15:prstTrans prst="origami"/>
       </p:transition>
     </mc:Choice>
-    <mc:Fallback>
+    <mc:Fallback xmlns="">
       <p:transition spd="slow">
         <p:fade/>
       </p:transition>
@@ -4713,7 +4728,7 @@
           <a:p>
             <a:fld id="{B11D738E-8962-435F-8C43-147B8DD7E819}" type="datetime1">
               <a:rPr lang="en-US" smtClean="0"/>
-              <a:t>5/1/2015</a:t>
+              <a:t>5/2/2015</a:t>
             </a:fld>
             <a:endParaRPr lang="en-US"/>
           </a:p>
@@ -4788,12 +4803,12 @@
           <a:graphicData uri="http://schemas.openxmlformats.org/presentationml/2006/ole">
             <mc:AlternateContent xmlns:mc="http://schemas.openxmlformats.org/markup-compatibility/2006">
               <mc:Choice xmlns:v="urn:schemas-microsoft-com:vml" Requires="v">
-                <p:oleObj spid="_x0000_s5122" name="Visio" r:id="rId3" imgW="7962908" imgH="6905717" progId="Visio.Drawing.15">
+                <p:oleObj spid="_x0000_s5123" name="Visio" r:id="rId4" imgW="7962908" imgH="6905717" progId="Visio.Drawing.15">
                   <p:embed/>
                 </p:oleObj>
               </mc:Choice>
               <mc:Fallback>
-                <p:oleObj name="Visio" r:id="rId3" imgW="7962908" imgH="6905717" progId="Visio.Drawing.15">
+                <p:oleObj name="Visio" r:id="rId4" imgW="7962908" imgH="6905717" progId="Visio.Drawing.15">
                   <p:embed/>
                   <p:pic>
                     <p:nvPicPr>
@@ -4802,7 +4817,7 @@
                       <p:nvPr/>
                     </p:nvPicPr>
                     <p:blipFill>
-                      <a:blip r:embed="rId4"/>
+                      <a:blip r:embed="rId5"/>
                       <a:stretch>
                         <a:fillRect/>
                       </a:stretch>
@@ -4833,13 +4848,13 @@
   <p:clrMapOvr>
     <a:masterClrMapping/>
   </p:clrMapOvr>
-  <mc:AlternateContent xmlns:mc="http://schemas.openxmlformats.org/markup-compatibility/2006">
-    <mc:Choice xmlns:p14="http://schemas.microsoft.com/office/powerpoint/2010/main" Requires="p14">
+  <mc:AlternateContent xmlns:mc="http://schemas.openxmlformats.org/markup-compatibility/2006" xmlns:p14="http://schemas.microsoft.com/office/powerpoint/2010/main">
+    <mc:Choice Requires="p14">
       <p:transition spd="slow" p14:dur="1200">
         <p:dissolve/>
       </p:transition>
     </mc:Choice>
-    <mc:Fallback>
+    <mc:Fallback xmlns="">
       <p:transition spd="slow">
         <p:dissolve/>
       </p:transition>
@@ -4912,7 +4927,7 @@
           <a:p>
             <a:fld id="{B11D738E-8962-435F-8C43-147B8DD7E819}" type="datetime1">
               <a:rPr lang="en-US" smtClean="0"/>
-              <a:t>5/1/2015</a:t>
+              <a:t>5/2/2015</a:t>
             </a:fld>
             <a:endParaRPr lang="en-US"/>
           </a:p>
@@ -5001,13 +5016,13 @@
   <p:clrMapOvr>
     <a:masterClrMapping/>
   </p:clrMapOvr>
-  <mc:AlternateContent xmlns:mc="http://schemas.openxmlformats.org/markup-compatibility/2006">
-    <mc:Choice xmlns:p14="http://schemas.microsoft.com/office/powerpoint/2010/main" Requires="p14">
+  <mc:AlternateContent xmlns:mc="http://schemas.openxmlformats.org/markup-compatibility/2006" xmlns:p14="http://schemas.microsoft.com/office/powerpoint/2010/main">
+    <mc:Choice Requires="p14">
       <p:transition spd="slow" p14:dur="1250">
         <p14:flip dir="r"/>
       </p:transition>
     </mc:Choice>
-    <mc:Fallback>
+    <mc:Fallback xmlns="">
       <p:transition spd="slow">
         <p:fade/>
       </p:transition>
